--- a/Java.pptx
+++ b/Java.pptx
@@ -2,7 +2,7 @@
 <file path=ppt/presentation.xml><?xml version="1.0" encoding="utf-8"?>
 <p:presentation xmlns:a="http://schemas.openxmlformats.org/drawingml/2006/main" xmlns:r="http://schemas.openxmlformats.org/officeDocument/2006/relationships" xmlns:p="http://schemas.openxmlformats.org/presentationml/2006/main" autoCompressPictures="0">
   <p:sldMasterIdLst>
-    <p:sldMasterId id="2147483895" r:id="rId1"/>
+    <p:sldMasterId id="2147483908" r:id="rId1"/>
   </p:sldMasterIdLst>
   <p:sldIdLst>
     <p:sldId id="256" r:id="rId2"/>
@@ -109,6 +109,11 @@
       </a:defRPr>
     </a:lvl9pPr>
   </p:defaultTextStyle>
+  <p:extLst>
+    <p:ext uri="{EFAFB233-063F-42B5-8137-9DF3F51BA10A}">
+      <p15:sldGuideLst xmlns:p15="http://schemas.microsoft.com/office/powerpoint/2012/main"/>
+    </p:ext>
+  </p:extLst>
 </p:presentation>
 </file>
 
@@ -261,7 +266,7 @@
         </p:nvSpPr>
         <p:spPr>
           <a:xfrm>
-            <a:off x="1100051" y="4455620"/>
+            <a:off x="1100051" y="4455621"/>
             <a:ext cx="10058400" cy="1143000"/>
           </a:xfrm>
         </p:spPr>
@@ -338,7 +343,7 @@
           <a:p>
             <a:fld id="{F7AFFB9B-9FB8-469E-96F9-4D32314110B6}" type="datetimeFigureOut">
               <a:rPr lang="en-US" smtClean="0"/>
-              <a:t>1/26/2021</a:t>
+              <a:t>1/27/2021</a:t>
             </a:fld>
             <a:endParaRPr lang="en-US" dirty="0"/>
           </a:p>
@@ -428,7 +433,7 @@
     </p:spTree>
     <p:extLst>
       <p:ext uri="{BB962C8B-B14F-4D97-AF65-F5344CB8AC3E}">
-        <p14:creationId xmlns:p14="http://schemas.microsoft.com/office/powerpoint/2010/main" val="2165797545"/>
+        <p14:creationId xmlns:p14="http://schemas.microsoft.com/office/powerpoint/2010/main" val="3408554853"/>
       </p:ext>
     </p:extLst>
   </p:cSld>
@@ -547,7 +552,7 @@
           <a:p>
             <a:fld id="{C35BB1C6-BF8F-4481-8AB2-603A1C8A906A}" type="datetimeFigureOut">
               <a:rPr lang="en-US" smtClean="0"/>
-              <a:t>1/26/2021</a:t>
+              <a:t>1/27/2021</a:t>
             </a:fld>
             <a:endParaRPr lang="en-US" dirty="0"/>
           </a:p>
@@ -599,7 +604,7 @@
     </p:spTree>
     <p:extLst>
       <p:ext uri="{BB962C8B-B14F-4D97-AF65-F5344CB8AC3E}">
-        <p14:creationId xmlns:p14="http://schemas.microsoft.com/office/powerpoint/2010/main" val="2140528270"/>
+        <p14:creationId xmlns:p14="http://schemas.microsoft.com/office/powerpoint/2010/main" val="1677275882"/>
       </p:ext>
     </p:extLst>
   </p:cSld>
@@ -715,8 +720,8 @@
         </p:nvSpPr>
         <p:spPr>
           <a:xfrm>
-            <a:off x="8724900" y="414778"/>
-            <a:ext cx="2628900" cy="5757421"/>
+            <a:off x="8724900" y="412302"/>
+            <a:ext cx="2628900" cy="5759898"/>
           </a:xfrm>
         </p:spPr>
         <p:txBody>
@@ -743,8 +748,8 @@
         </p:nvSpPr>
         <p:spPr>
           <a:xfrm>
-            <a:off x="838200" y="414778"/>
-            <a:ext cx="7734300" cy="5757422"/>
+            <a:off x="838200" y="412302"/>
+            <a:ext cx="7734300" cy="5759898"/>
           </a:xfrm>
         </p:spPr>
         <p:txBody>
@@ -805,7 +810,7 @@
           <a:p>
             <a:fld id="{C35BB1C6-BF8F-4481-8AB2-603A1C8A906A}" type="datetimeFigureOut">
               <a:rPr lang="en-US" smtClean="0"/>
-              <a:t>1/26/2021</a:t>
+              <a:t>1/27/2021</a:t>
             </a:fld>
             <a:endParaRPr lang="en-US" dirty="0"/>
           </a:p>
@@ -857,7 +862,7 @@
     </p:spTree>
     <p:extLst>
       <p:ext uri="{BB962C8B-B14F-4D97-AF65-F5344CB8AC3E}">
-        <p14:creationId xmlns:p14="http://schemas.microsoft.com/office/powerpoint/2010/main" val="3840267645"/>
+        <p14:creationId xmlns:p14="http://schemas.microsoft.com/office/powerpoint/2010/main" val="3216793398"/>
       </p:ext>
     </p:extLst>
   </p:cSld>
@@ -982,7 +987,7 @@
           <a:p>
             <a:fld id="{8EFBDC27-E420-4878-9EE6-7B9656D6442A}" type="datetimeFigureOut">
               <a:rPr lang="en-US" dirty="0"/>
-              <a:t>1/26/2021</a:t>
+              <a:t>1/27/2021</a:t>
             </a:fld>
             <a:endParaRPr lang="en-US" dirty="0"/>
           </a:p>
@@ -1033,7 +1038,7 @@
     </p:spTree>
     <p:extLst>
       <p:ext uri="{BB962C8B-B14F-4D97-AF65-F5344CB8AC3E}">
-        <p14:creationId xmlns:p14="http://schemas.microsoft.com/office/powerpoint/2010/main" val="3207272394"/>
+        <p14:creationId xmlns:p14="http://schemas.microsoft.com/office/powerpoint/2010/main" val="666353230"/>
       </p:ext>
     </p:extLst>
   </p:cSld>
@@ -1073,11 +1078,7 @@
         <p:spPr/>
         <p:txBody>
           <a:bodyPr/>
-          <a:lstStyle>
-            <a:lvl1pPr marL="0">
-              <a:defRPr/>
-            </a:lvl1pPr>
-          </a:lstStyle>
+          <a:lstStyle/>
           <a:p>
             <a:r>
               <a:rPr lang="es-ES"/>
@@ -1156,7 +1157,7 @@
           <a:p>
             <a:fld id="{C35BB1C6-BF8F-4481-8AB2-603A1C8A906A}" type="datetimeFigureOut">
               <a:rPr lang="en-US" smtClean="0"/>
-              <a:t>1/26/2021</a:t>
+              <a:t>1/27/2021</a:t>
             </a:fld>
             <a:endParaRPr lang="en-US" dirty="0"/>
           </a:p>
@@ -1208,7 +1209,7 @@
     </p:spTree>
     <p:extLst>
       <p:ext uri="{BB962C8B-B14F-4D97-AF65-F5344CB8AC3E}">
-        <p14:creationId xmlns:p14="http://schemas.microsoft.com/office/powerpoint/2010/main" val="3541528255"/>
+        <p14:creationId xmlns:p14="http://schemas.microsoft.com/office/powerpoint/2010/main" val="127527350"/>
       </p:ext>
     </p:extLst>
   </p:cSld>
@@ -1501,7 +1502,7 @@
           <a:p>
             <a:fld id="{0F7F47CF-67C9-420C-80A5-E2069FF0C2DF}" type="datetimeFigureOut">
               <a:rPr lang="en-US" smtClean="0"/>
-              <a:t>1/26/2021</a:t>
+              <a:t>1/27/2021</a:t>
             </a:fld>
             <a:endParaRPr lang="en-US" dirty="0"/>
           </a:p>
@@ -1590,7 +1591,7 @@
     </p:spTree>
     <p:extLst>
       <p:ext uri="{BB962C8B-B14F-4D97-AF65-F5344CB8AC3E}">
-        <p14:creationId xmlns:p14="http://schemas.microsoft.com/office/powerpoint/2010/main" val="2468975264"/>
+        <p14:creationId xmlns:p14="http://schemas.microsoft.com/office/powerpoint/2010/main" val="2922849417"/>
       </p:ext>
     </p:extLst>
   </p:cSld>
@@ -1657,7 +1658,7 @@
         </p:nvSpPr>
         <p:spPr>
           <a:xfrm>
-            <a:off x="1097279" y="1845734"/>
+            <a:off x="1097278" y="1845734"/>
             <a:ext cx="4937760" cy="4023360"/>
           </a:xfrm>
         </p:spPr>
@@ -1776,7 +1777,7 @@
           <a:p>
             <a:fld id="{C35BB1C6-BF8F-4481-8AB2-603A1C8A906A}" type="datetimeFigureOut">
               <a:rPr lang="en-US" smtClean="0"/>
-              <a:t>1/26/2021</a:t>
+              <a:t>1/27/2021</a:t>
             </a:fld>
             <a:endParaRPr lang="en-US" dirty="0"/>
           </a:p>
@@ -1828,7 +1829,7 @@
     </p:spTree>
     <p:extLst>
       <p:ext uri="{BB962C8B-B14F-4D97-AF65-F5344CB8AC3E}">
-        <p14:creationId xmlns:p14="http://schemas.microsoft.com/office/powerpoint/2010/main" val="3907505215"/>
+        <p14:creationId xmlns:p14="http://schemas.microsoft.com/office/powerpoint/2010/main" val="1289733920"/>
       </p:ext>
     </p:extLst>
   </p:cSld>
@@ -2162,7 +2163,7 @@
           <a:p>
             <a:fld id="{C35BB1C6-BF8F-4481-8AB2-603A1C8A906A}" type="datetimeFigureOut">
               <a:rPr lang="en-US" smtClean="0"/>
-              <a:t>1/26/2021</a:t>
+              <a:t>1/27/2021</a:t>
             </a:fld>
             <a:endParaRPr lang="en-US" dirty="0"/>
           </a:p>
@@ -2214,7 +2215,7 @@
     </p:spTree>
     <p:extLst>
       <p:ext uri="{BB962C8B-B14F-4D97-AF65-F5344CB8AC3E}">
-        <p14:creationId xmlns:p14="http://schemas.microsoft.com/office/powerpoint/2010/main" val="296291411"/>
+        <p14:creationId xmlns:p14="http://schemas.microsoft.com/office/powerpoint/2010/main" val="2164547672"/>
       </p:ext>
     </p:extLst>
   </p:cSld>
@@ -2287,7 +2288,7 @@
           <a:p>
             <a:fld id="{097649AC-CB8F-4FF1-9A34-5861C74DD0A7}" type="datetimeFigureOut">
               <a:rPr lang="en-US" smtClean="0"/>
-              <a:t>1/26/2021</a:t>
+              <a:t>1/27/2021</a:t>
             </a:fld>
             <a:endParaRPr lang="en-US" dirty="0"/>
           </a:p>
@@ -2338,7 +2339,7 @@
     </p:spTree>
     <p:extLst>
       <p:ext uri="{BB962C8B-B14F-4D97-AF65-F5344CB8AC3E}">
-        <p14:creationId xmlns:p14="http://schemas.microsoft.com/office/powerpoint/2010/main" val="1627215328"/>
+        <p14:creationId xmlns:p14="http://schemas.microsoft.com/office/powerpoint/2010/main" val="3367752719"/>
       </p:ext>
     </p:extLst>
   </p:cSld>
@@ -2458,7 +2459,7 @@
           <a:p>
             <a:fld id="{3EC5CECA-2D3A-4680-9B49-752200DE467C}" type="datetimeFigureOut">
               <a:rPr lang="en-US" smtClean="0"/>
-              <a:t>1/26/2021</a:t>
+              <a:t>1/27/2021</a:t>
             </a:fld>
             <a:endParaRPr lang="en-US" dirty="0"/>
           </a:p>
@@ -2517,7 +2518,7 @@
     </p:spTree>
     <p:extLst>
       <p:ext uri="{BB962C8B-B14F-4D97-AF65-F5344CB8AC3E}">
-        <p14:creationId xmlns:p14="http://schemas.microsoft.com/office/powerpoint/2010/main" val="1436455583"/>
+        <p14:creationId xmlns:p14="http://schemas.microsoft.com/office/powerpoint/2010/main" val="3715161460"/>
       </p:ext>
     </p:extLst>
   </p:cSld>
@@ -2812,7 +2813,7 @@
           <a:p>
             <a:fld id="{C35BB1C6-BF8F-4481-8AB2-603A1C8A906A}" type="datetimeFigureOut">
               <a:rPr lang="en-US" smtClean="0"/>
-              <a:t>1/26/2021</a:t>
+              <a:t>1/27/2021</a:t>
             </a:fld>
             <a:endParaRPr lang="en-US" dirty="0"/>
           </a:p>
@@ -2885,7 +2886,7 @@
     </p:spTree>
     <p:extLst>
       <p:ext uri="{BB962C8B-B14F-4D97-AF65-F5344CB8AC3E}">
-        <p14:creationId xmlns:p14="http://schemas.microsoft.com/office/powerpoint/2010/main" val="552522230"/>
+        <p14:creationId xmlns:p14="http://schemas.microsoft.com/office/powerpoint/2010/main" val="4081059336"/>
       </p:ext>
     </p:extLst>
   </p:cSld>
@@ -3007,7 +3008,7 @@
         <p:spPr>
           <a:xfrm>
             <a:off x="1097280" y="5074920"/>
-            <a:ext cx="10113264" cy="822960"/>
+            <a:ext cx="10113645" cy="822960"/>
           </a:xfrm>
         </p:spPr>
         <p:txBody>
@@ -3047,23 +3048,18 @@
             <a:off x="15" y="0"/>
             <a:ext cx="12191985" cy="4915076"/>
           </a:xfrm>
-          <a:blipFill>
-            <a:blip r:embed="rId2"/>
-            <a:stretch>
-              <a:fillRect/>
-            </a:stretch>
-          </a:blipFill>
+          <a:solidFill>
+            <a:schemeClr val="bg2">
+              <a:lumMod val="90000"/>
+            </a:schemeClr>
+          </a:solidFill>
         </p:spPr>
         <p:txBody>
           <a:bodyPr lIns="457200" tIns="457200" anchor="t"/>
           <a:lstStyle>
             <a:lvl1pPr marL="0" indent="0">
               <a:buNone/>
-              <a:defRPr sz="3200">
-                <a:solidFill>
-                  <a:schemeClr val="bg1"/>
-                </a:solidFill>
-              </a:defRPr>
+              <a:defRPr sz="3200"/>
             </a:lvl1pPr>
             <a:lvl2pPr marL="457200" indent="0">
               <a:buNone/>
@@ -3119,7 +3115,7 @@
         </p:nvSpPr>
         <p:spPr>
           <a:xfrm>
-            <a:off x="1097280" y="5907023"/>
+            <a:off x="1097280" y="5907024"/>
             <a:ext cx="10113264" cy="594360"/>
           </a:xfrm>
         </p:spPr>
@@ -3201,7 +3197,7 @@
           <a:p>
             <a:fld id="{C35BB1C6-BF8F-4481-8AB2-603A1C8A906A}" type="datetimeFigureOut">
               <a:rPr lang="en-US" smtClean="0"/>
-              <a:t>1/26/2021</a:t>
+              <a:t>1/27/2021</a:t>
             </a:fld>
             <a:endParaRPr lang="en-US" dirty="0"/>
           </a:p>
@@ -3253,7 +3249,7 @@
     </p:spTree>
     <p:extLst>
       <p:ext uri="{BB962C8B-B14F-4D97-AF65-F5344CB8AC3E}">
-        <p14:creationId xmlns:p14="http://schemas.microsoft.com/office/powerpoint/2010/main" val="2245841073"/>
+        <p14:creationId xmlns:p14="http://schemas.microsoft.com/office/powerpoint/2010/main" val="2916194488"/>
       </p:ext>
     </p:extLst>
   </p:cSld>
@@ -3332,8 +3328,8 @@
         </p:nvSpPr>
         <p:spPr>
           <a:xfrm>
-            <a:off x="0" y="6334316"/>
-            <a:ext cx="12192001" cy="65998"/>
+            <a:off x="15" y="6334316"/>
+            <a:ext cx="12191985" cy="66484"/>
           </a:xfrm>
           <a:prstGeom prst="rect">
             <a:avLst/>
@@ -3490,7 +3486,7 @@
           <a:p>
             <a:fld id="{C35BB1C6-BF8F-4481-8AB2-603A1C8A906A}" type="datetimeFigureOut">
               <a:rPr lang="en-US" smtClean="0"/>
-              <a:t>1/26/2021</a:t>
+              <a:t>1/27/2021</a:t>
             </a:fld>
             <a:endParaRPr lang="en-US" dirty="0"/>
           </a:p>
@@ -3612,24 +3608,24 @@
     </p:spTree>
     <p:extLst>
       <p:ext uri="{BB962C8B-B14F-4D97-AF65-F5344CB8AC3E}">
-        <p14:creationId xmlns:p14="http://schemas.microsoft.com/office/powerpoint/2010/main" val="432927314"/>
+        <p14:creationId xmlns:p14="http://schemas.microsoft.com/office/powerpoint/2010/main" val="524781569"/>
       </p:ext>
     </p:extLst>
   </p:cSld>
   <p:clrMap bg1="lt1" tx1="dk1" bg2="lt2" tx2="dk2" accent1="accent1" accent2="accent2" accent3="accent3" accent4="accent4" accent5="accent5" accent6="accent6" hlink="hlink" folHlink="folHlink"/>
   <p:sldLayoutIdLst>
-    <p:sldLayoutId id="2147483896" r:id="rId1"/>
-    <p:sldLayoutId id="2147483897" r:id="rId2"/>
-    <p:sldLayoutId id="2147483898" r:id="rId3"/>
-    <p:sldLayoutId id="2147483899" r:id="rId4"/>
-    <p:sldLayoutId id="2147483900" r:id="rId5"/>
-    <p:sldLayoutId id="2147483901" r:id="rId6"/>
-    <p:sldLayoutId id="2147483902" r:id="rId7"/>
-    <p:sldLayoutId id="2147483903" r:id="rId8"/>
-    <p:sldLayoutId id="2147483904" r:id="rId9"/>
-    <p:sldLayoutId id="2147483905" r:id="rId10"/>
-    <p:sldLayoutId id="2147483906" r:id="rId11"/>
-    <p:sldLayoutId id="2147483907" r:id="rId12"/>
+    <p:sldLayoutId id="2147483909" r:id="rId1"/>
+    <p:sldLayoutId id="2147483910" r:id="rId2"/>
+    <p:sldLayoutId id="2147483911" r:id="rId3"/>
+    <p:sldLayoutId id="2147483912" r:id="rId4"/>
+    <p:sldLayoutId id="2147483913" r:id="rId5"/>
+    <p:sldLayoutId id="2147483914" r:id="rId6"/>
+    <p:sldLayoutId id="2147483915" r:id="rId7"/>
+    <p:sldLayoutId id="2147483916" r:id="rId8"/>
+    <p:sldLayoutId id="2147483917" r:id="rId9"/>
+    <p:sldLayoutId id="2147483918" r:id="rId10"/>
+    <p:sldLayoutId id="2147483919" r:id="rId11"/>
+    <p:sldLayoutId id="2147483920" r:id="rId12"/>
   </p:sldLayoutIdLst>
   <p:hf sldNum="0" hdr="0" ftr="0" dt="0"/>
   <p:txStyles>
@@ -5015,7 +5011,10 @@
           <a:bodyPr/>
           <a:lstStyle/>
           <a:p>
-            <a:endParaRPr lang="es-PE"/>
+            <a:r>
+              <a:rPr lang="es-PE" dirty="0"/>
+              <a:t>Java es compilado o interpretado</a:t>
+            </a:r>
           </a:p>
         </p:txBody>
       </p:sp>
@@ -5040,7 +5039,11 @@
           <a:bodyPr/>
           <a:lstStyle/>
           <a:p>
-            <a:endParaRPr lang="es-PE" dirty="0"/>
+            <a:pPr algn="ctr"/>
+            <a:r>
+              <a:rPr lang="es-PE" dirty="0"/>
+              <a:t>Es ambos</a:t>
+            </a:r>
           </a:p>
         </p:txBody>
       </p:sp>
@@ -5142,40 +5145,40 @@
   <a:themeElements>
     <a:clrScheme name="Retrospección">
       <a:dk1>
-        <a:srgbClr val="000000"/>
+        <a:sysClr val="windowText" lastClr="000000"/>
       </a:dk1>
       <a:lt1>
         <a:sysClr val="window" lastClr="FFFFFF"/>
       </a:lt1>
       <a:dk2>
-        <a:srgbClr val="637052"/>
+        <a:srgbClr val="696464"/>
       </a:dk2>
       <a:lt2>
-        <a:srgbClr val="CCDDEA"/>
+        <a:srgbClr val="E9E5DC"/>
       </a:lt2>
       <a:accent1>
-        <a:srgbClr val="E48312"/>
+        <a:srgbClr val="D34817"/>
       </a:accent1>
       <a:accent2>
-        <a:srgbClr val="BD582C"/>
+        <a:srgbClr val="9B2D1F"/>
       </a:accent2>
       <a:accent3>
-        <a:srgbClr val="865640"/>
+        <a:srgbClr val="A28E6A"/>
       </a:accent3>
       <a:accent4>
-        <a:srgbClr val="9B8357"/>
+        <a:srgbClr val="956251"/>
       </a:accent4>
       <a:accent5>
-        <a:srgbClr val="C2BC80"/>
+        <a:srgbClr val="918485"/>
       </a:accent5>
       <a:accent6>
-        <a:srgbClr val="94A088"/>
+        <a:srgbClr val="855D5D"/>
       </a:accent6>
       <a:hlink>
-        <a:srgbClr val="2998E3"/>
+        <a:srgbClr val="CC9900"/>
       </a:hlink>
       <a:folHlink>
-        <a:srgbClr val="8C8C8C"/>
+        <a:srgbClr val="96A9A9"/>
       </a:folHlink>
     </a:clrScheme>
     <a:fontScheme name="Retrospección">
@@ -5414,7 +5417,7 @@
   <a:extraClrSchemeLst/>
   <a:extLst>
     <a:ext uri="{05A4C25C-085E-4340-85A3-A5531E510DB2}">
-      <thm15:themeFamily xmlns:thm15="http://schemas.microsoft.com/office/thememl/2012/main" name="Retrospect" id="{5F128B03-DCCA-4EEB-AB3B-CF2899314A46}" vid="{3F1AAB62-24C6-49D2-8E01-B56FAC9A3DCD}"/>
+      <thm15:themeFamily xmlns:thm15="http://schemas.microsoft.com/office/thememl/2012/main" name="Retrospect" id="{5F128B03-DCCA-4EEB-AB3B-CF2899314A46}" vid="{02006FA4-1611-4B07-AF7F-85CF6D20EB3E}"/>
     </a:ext>
   </a:extLst>
 </a:theme>
